--- a/05/beom/python_data&memory.pptx
+++ b/05/beom/python_data&memory.pptx
@@ -4594,7 +4594,7 @@
         <p:spPr>
           <a:xfrm>
             <a:off x="1008833" y="1548075"/>
-            <a:ext cx="10277855" cy="5262979"/>
+            <a:ext cx="10277855" cy="4524315"/>
           </a:xfrm>
           <a:prstGeom prst="rect">
             <a:avLst/>
@@ -4619,119 +4619,7 @@
                 <a:effectLst/>
                 <a:latin typeface="-apple-system"/>
               </a:rPr>
-              <a:t>   </a:t>
-            </a:r>
-            <a:r>
-              <a:rPr lang="ko-KR" altLang="en-US" sz="2400" b="0" i="0" dirty="0" err="1">
-                <a:solidFill>
-                  <a:srgbClr val="000000"/>
-                </a:solidFill>
-                <a:effectLst/>
-                <a:latin typeface="-apple-system"/>
-              </a:rPr>
-              <a:t>파이썬의</a:t>
-            </a:r>
-            <a:r>
-              <a:rPr lang="ko-KR" altLang="en-US" sz="2400" b="0" i="0" dirty="0">
-                <a:solidFill>
-                  <a:srgbClr val="000000"/>
-                </a:solidFill>
-                <a:effectLst/>
-                <a:latin typeface="-apple-system"/>
-              </a:rPr>
-              <a:t> </a:t>
-            </a:r>
-            <a:r>
-              <a:rPr lang="en-US" altLang="ko-KR" sz="2400" b="0" i="0" dirty="0">
-                <a:solidFill>
-                  <a:srgbClr val="000000"/>
-                </a:solidFill>
-                <a:effectLst/>
-                <a:latin typeface="-apple-system"/>
-              </a:rPr>
-              <a:t>list</a:t>
-            </a:r>
-            <a:r>
-              <a:rPr lang="ko-KR" altLang="en-US" sz="2400" b="0" i="0" dirty="0">
-                <a:solidFill>
-                  <a:srgbClr val="000000"/>
-                </a:solidFill>
-                <a:effectLst/>
-                <a:latin typeface="-apple-system"/>
-              </a:rPr>
-              <a:t>는 배열과 유사</a:t>
-            </a:r>
-            <a:r>
-              <a:rPr lang="en-US" altLang="ko-KR" sz="2400" b="0" i="0" dirty="0">
-                <a:solidFill>
-                  <a:srgbClr val="000000"/>
-                </a:solidFill>
-                <a:effectLst/>
-                <a:latin typeface="-apple-system"/>
-              </a:rPr>
-              <a:t>. linked list</a:t>
-            </a:r>
-            <a:r>
-              <a:rPr lang="ko-KR" altLang="en-US" sz="2400" b="0" i="0" dirty="0">
-                <a:solidFill>
-                  <a:srgbClr val="000000"/>
-                </a:solidFill>
-                <a:effectLst/>
-                <a:latin typeface="-apple-system"/>
-              </a:rPr>
-              <a:t>와는 다르다</a:t>
-            </a:r>
-            <a:r>
-              <a:rPr lang="en-US" altLang="ko-KR" sz="2400" b="0" i="0" dirty="0">
-                <a:solidFill>
-                  <a:srgbClr val="000000"/>
-                </a:solidFill>
-                <a:effectLst/>
-                <a:latin typeface="-apple-system"/>
-              </a:rPr>
-              <a:t>.</a:t>
-            </a:r>
-          </a:p>
-          <a:p>
-            <a:pPr algn="l">
-              <a:buFont typeface="Arial" panose="020B0604020202020204" pitchFamily="34" charset="0"/>
-              <a:buChar char="•"/>
-            </a:pPr>
-            <a:r>
-              <a:rPr lang="ko-KR" altLang="en-US" sz="2400" b="0" i="0" dirty="0">
-                <a:solidFill>
-                  <a:srgbClr val="000000"/>
-                </a:solidFill>
-                <a:effectLst/>
-                <a:latin typeface="-apple-system"/>
-              </a:rPr>
               <a:t>   값이 연속된 공간이 아닌 메모리 공간에 독립적으로 저장됨</a:t>
-            </a:r>
-          </a:p>
-          <a:p>
-            <a:pPr algn="l">
-              <a:buFont typeface="Arial" panose="020B0604020202020204" pitchFamily="34" charset="0"/>
-              <a:buChar char="•"/>
-            </a:pPr>
-            <a:r>
-              <a:rPr lang="ko-KR" altLang="en-US" sz="2400" b="0" i="0" dirty="0">
-                <a:solidFill>
-                  <a:srgbClr val="000000"/>
-                </a:solidFill>
-                <a:effectLst/>
-                <a:latin typeface="-apple-system"/>
-              </a:rPr>
-              <a:t>   다음 값이 저장된 주소를 갖고 있다</a:t>
-            </a:r>
-            <a:r>
-              <a:rPr lang="en-US" altLang="ko-KR" sz="2400" b="0" i="0" dirty="0">
-                <a:solidFill>
-                  <a:srgbClr val="000000"/>
-                </a:solidFill>
-                <a:effectLst/>
-                <a:latin typeface="-apple-system"/>
-              </a:rPr>
-              <a:t>.(link)</a:t>
             </a:r>
           </a:p>
           <a:p>
@@ -7010,6 +6898,101 @@
           </a:p>
         </p:txBody>
       </p:sp>
+      <p:sp>
+        <p:nvSpPr>
+          <p:cNvPr id="3" name="말풍선: 모서리가 둥근 사각형 2">
+            <a:extLst>
+              <a:ext uri="{FF2B5EF4-FFF2-40B4-BE49-F238E27FC236}">
+                <a16:creationId xmlns:a16="http://schemas.microsoft.com/office/drawing/2014/main" id="{05BDDDDB-D346-4DD9-89FC-B7C3627F2418}"/>
+              </a:ext>
+            </a:extLst>
+          </p:cNvPr>
+          <p:cNvSpPr/>
+          <p:nvPr/>
+        </p:nvSpPr>
+        <p:spPr>
+          <a:xfrm>
+            <a:off x="6739467" y="4250267"/>
+            <a:ext cx="5190688" cy="2385221"/>
+          </a:xfrm>
+          <a:prstGeom prst="wedgeRoundRectCallout">
+            <a:avLst>
+              <a:gd name="adj1" fmla="val -67158"/>
+              <a:gd name="adj2" fmla="val -61389"/>
+              <a:gd name="adj3" fmla="val 16667"/>
+            </a:avLst>
+          </a:prstGeom>
+        </p:spPr>
+        <p:style>
+          <a:lnRef idx="2">
+            <a:schemeClr val="accent6"/>
+          </a:lnRef>
+          <a:fillRef idx="1">
+            <a:schemeClr val="lt1"/>
+          </a:fillRef>
+          <a:effectRef idx="0">
+            <a:schemeClr val="accent6"/>
+          </a:effectRef>
+          <a:fontRef idx="minor">
+            <a:schemeClr val="dk1"/>
+          </a:fontRef>
+        </p:style>
+        <p:txBody>
+          <a:bodyPr rtlCol="0" anchor="ctr"/>
+          <a:lstStyle/>
+          <a:p>
+            <a:pPr algn="ctr"/>
+            <a:r>
+              <a:rPr lang="ko-KR" altLang="en-US" dirty="0"/>
+              <a:t> </a:t>
+            </a:r>
+            <a:r>
+              <a:rPr lang="ko-KR" altLang="en-US" sz="2000" b="1" dirty="0"/>
+              <a:t>대표적인 해시 충돌 해결 알고리즘</a:t>
+            </a:r>
+            <a:endParaRPr lang="en-US" altLang="ko-KR" sz="2000" b="1" dirty="0"/>
+          </a:p>
+          <a:p>
+            <a:pPr algn="ctr"/>
+            <a:r>
+              <a:rPr lang="en-US" altLang="ko-KR" dirty="0"/>
+              <a:t>Open hashing(</a:t>
+            </a:r>
+            <a:r>
+              <a:rPr lang="ko-KR" altLang="en-US" dirty="0"/>
+              <a:t>개방 해시</a:t>
+            </a:r>
+            <a:r>
+              <a:rPr lang="en-US" altLang="ko-KR" dirty="0"/>
+              <a:t>) : </a:t>
+            </a:r>
+            <a:r>
+              <a:rPr lang="ko-KR" altLang="en-US" dirty="0"/>
+              <a:t>출동이 발생한 데이터에 대해서는 해시테이블 밖에 추가적인 데이터공간에 저장하는 방법</a:t>
+            </a:r>
+            <a:endParaRPr lang="en-US" altLang="ko-KR" dirty="0"/>
+          </a:p>
+          <a:p>
+            <a:pPr algn="ctr"/>
+            <a:r>
+              <a:rPr lang="en-US" altLang="ko-KR" dirty="0"/>
+              <a:t>Linear Probing(</a:t>
+            </a:r>
+            <a:r>
+              <a:rPr lang="ko-KR" altLang="en-US" dirty="0"/>
+              <a:t>폐쇄 해시</a:t>
+            </a:r>
+            <a:r>
+              <a:rPr lang="en-US" altLang="ko-KR" dirty="0"/>
+              <a:t>) : </a:t>
+            </a:r>
+            <a:r>
+              <a:rPr lang="ko-KR" altLang="en-US" dirty="0"/>
+              <a:t>해시 테이블의 빈 공간에 저장하는 방법</a:t>
+            </a:r>
+          </a:p>
+        </p:txBody>
+      </p:sp>
     </p:spTree>
     <p:extLst>
       <p:ext uri="{BB962C8B-B14F-4D97-AF65-F5344CB8AC3E}">
@@ -7984,7 +7967,17 @@
                 <a:effectLst/>
                 <a:latin typeface="-apple-system"/>
               </a:rPr>
-              <a:t>가르킴</a:t>
+              <a:t>가르킵니다</a:t>
+            </a:r>
+            <a:r>
+              <a:rPr lang="en-US" altLang="ko-KR" b="0" i="0" dirty="0">
+                <a:solidFill>
+                  <a:srgbClr val="000000"/>
+                </a:solidFill>
+                <a:effectLst/>
+                <a:latin typeface="-apple-system"/>
+              </a:rPr>
+              <a:t>.</a:t>
             </a:r>
             <a:endParaRPr lang="ko-KR" altLang="en-US" b="0" i="0" dirty="0">
               <a:solidFill>
@@ -8067,7 +8060,7 @@
                 <a:effectLst/>
                 <a:latin typeface="-apple-system"/>
               </a:rPr>
-              <a:t>. z=10</a:t>
+              <a:t>. Z=10</a:t>
             </a:r>
             <a:r>
               <a:rPr lang="ko-KR" altLang="en-US" b="0" i="0" dirty="0">
@@ -8097,8 +8090,25 @@
                 <a:effectLst/>
                 <a:latin typeface="-apple-system"/>
               </a:rPr>
-              <a:t>가 이미 생성 되어 있으니 생성되지 않고 그냥 가리키기만 함</a:t>
-            </a:r>
+              <a:t>가 이미 생성 되어 있으니 생성되지 않고 그냥 가리키기만 합니다</a:t>
+            </a:r>
+            <a:r>
+              <a:rPr lang="en-US" altLang="ko-KR" b="0" i="0" dirty="0">
+                <a:solidFill>
+                  <a:srgbClr val="000000"/>
+                </a:solidFill>
+                <a:effectLst/>
+                <a:latin typeface="-apple-system"/>
+              </a:rPr>
+              <a:t>.</a:t>
+            </a:r>
+            <a:endParaRPr lang="ko-KR" altLang="en-US" b="0" i="0" dirty="0">
+              <a:solidFill>
+                <a:srgbClr val="000000"/>
+              </a:solidFill>
+              <a:effectLst/>
+              <a:latin typeface="-apple-system"/>
+            </a:endParaRPr>
           </a:p>
         </p:txBody>
       </p:sp>
@@ -9405,7 +9415,9 @@
           </a:xfrm>
         </p:spPr>
         <p:txBody>
-          <a:bodyPr/>
+          <a:bodyPr>
+            <a:normAutofit lnSpcReduction="10000"/>
+          </a:bodyPr>
           <a:lstStyle/>
           <a:p>
             <a:pPr marL="0" indent="0">
@@ -9437,13 +9449,18 @@
               <a:buChar char="-"/>
             </a:pPr>
             <a:r>
-              <a:rPr lang="ko-KR" altLang="en-US" dirty="0" err="1"/>
-              <a:t>파이썬이란</a:t>
+              <a:rPr lang="ko-KR" altLang="en-US" dirty="0"/>
+              <a:t>자료형 </a:t>
             </a:r>
             <a:r>
               <a:rPr lang="en-US" altLang="ko-KR" dirty="0"/>
-              <a:t>?</a:t>
-            </a:r>
+              <a:t>&amp; </a:t>
+            </a:r>
+            <a:r>
+              <a:rPr lang="ko-KR" altLang="en-US" dirty="0"/>
+              <a:t>자료구조</a:t>
+            </a:r>
+            <a:endParaRPr lang="en-US" altLang="ko-KR" dirty="0"/>
           </a:p>
           <a:p>
             <a:pPr>
@@ -9459,7 +9476,7 @@
             </a:pPr>
             <a:r>
               <a:rPr lang="ko-KR" altLang="en-US" dirty="0"/>
-              <a:t>자료형</a:t>
+              <a:t>해시 테이블</a:t>
             </a:r>
             <a:endParaRPr lang="en-US" altLang="ko-KR" dirty="0"/>
           </a:p>
@@ -9477,8 +9494,35 @@
             </a:pPr>
             <a:r>
               <a:rPr lang="ko-KR" altLang="en-US" dirty="0"/>
-              <a:t>자료구조</a:t>
-            </a:r>
+              <a:t>메모리</a:t>
+            </a:r>
+            <a:endParaRPr lang="en-US" altLang="ko-KR" dirty="0"/>
+          </a:p>
+          <a:p>
+            <a:pPr>
+              <a:buFontTx/>
+              <a:buChar char="-"/>
+            </a:pPr>
+            <a:endParaRPr lang="en-US" altLang="ko-KR" dirty="0"/>
+          </a:p>
+          <a:p>
+            <a:pPr>
+              <a:buFontTx/>
+              <a:buChar char="-"/>
+            </a:pPr>
+            <a:r>
+              <a:rPr lang="ko-KR" altLang="en-US" dirty="0"/>
+              <a:t>레퍼런스 카운트 </a:t>
+            </a:r>
+            <a:r>
+              <a:rPr lang="en-US" altLang="ko-KR" dirty="0"/>
+              <a:t>&amp; GC</a:t>
+            </a:r>
+          </a:p>
+          <a:p>
+            <a:pPr marL="0" indent="0">
+              <a:buNone/>
+            </a:pPr>
             <a:endParaRPr lang="en-US" altLang="ko-KR" dirty="0"/>
           </a:p>
           <a:p>
@@ -11785,15 +11829,38 @@
                 <a:effectLst/>
                 <a:latin typeface="-apple-system"/>
               </a:rPr>
-              <a:t>레퍼런스 카운트</a:t>
-            </a:r>
-            <a:endParaRPr lang="en-US" altLang="ko-KR" b="0" i="0" dirty="0">
-              <a:solidFill>
-                <a:srgbClr val="000000"/>
-              </a:solidFill>
-              <a:effectLst/>
-              <a:latin typeface="-apple-system"/>
-            </a:endParaRPr>
+              <a:t>레퍼런스 카운트의 약점</a:t>
+            </a:r>
+            <a:r>
+              <a:rPr lang="en-US" altLang="ko-KR" b="0" i="0" dirty="0">
+                <a:solidFill>
+                  <a:srgbClr val="000000"/>
+                </a:solidFill>
+                <a:effectLst/>
+                <a:latin typeface="-apple-system"/>
+              </a:rPr>
+              <a:t>(</a:t>
+            </a:r>
+            <a:r>
+              <a:rPr lang="ko-KR" altLang="en-US" b="0" i="0" dirty="0">
+                <a:solidFill>
+                  <a:srgbClr val="000000"/>
+                </a:solidFill>
+                <a:effectLst/>
+                <a:latin typeface="-apple-system"/>
+              </a:rPr>
+              <a:t>순환 참조</a:t>
+            </a:r>
+            <a:r>
+              <a:rPr lang="en-US" altLang="ko-KR" b="0" i="0" dirty="0">
+                <a:solidFill>
+                  <a:srgbClr val="000000"/>
+                </a:solidFill>
+                <a:effectLst/>
+                <a:latin typeface="-apple-system"/>
+              </a:rPr>
+              <a:t>)</a:t>
+            </a:r>
           </a:p>
         </p:txBody>
       </p:sp>
@@ -13035,7 +13102,17 @@
                 <a:effectLst/>
                 <a:latin typeface="-apple-system"/>
               </a:rPr>
-              <a:t>이러한 상황을 해결하기 위해 독립적으로 할당</a:t>
+              <a:t>이러한 상황을 해결하기 위해 독립적으로 할당한다</a:t>
+            </a:r>
+            <a:r>
+              <a:rPr lang="en-US" altLang="ko-KR" sz="2400" b="0" i="0" dirty="0">
+                <a:solidFill>
+                  <a:srgbClr val="000000"/>
+                </a:solidFill>
+                <a:effectLst/>
+                <a:latin typeface="-apple-system"/>
+              </a:rPr>
+              <a:t>.</a:t>
             </a:r>
             <a:endParaRPr lang="en-US" altLang="ko-KR" sz="2400" dirty="0"/>
           </a:p>
@@ -13119,7 +13196,7 @@
         <p:spPr>
           <a:xfrm>
             <a:off x="940615" y="1889004"/>
-            <a:ext cx="10176545" cy="3416320"/>
+            <a:ext cx="10176545" cy="3785652"/>
           </a:xfrm>
           <a:prstGeom prst="rect">
             <a:avLst/>
@@ -13206,7 +13283,35 @@
                 <a:effectLst/>
                 <a:latin typeface="-apple-system"/>
               </a:rPr>
-              <a:t>, </a:t>
+              <a:t> </a:t>
+            </a:r>
+            <a:r>
+              <a:rPr lang="ko-KR" altLang="en-US" sz="2400" dirty="0">
+                <a:solidFill>
+                  <a:srgbClr val="000000"/>
+                </a:solidFill>
+                <a:latin typeface="-apple-system"/>
+              </a:rPr>
+              <a:t>하다</a:t>
+            </a:r>
+            <a:r>
+              <a:rPr lang="en-US" altLang="ko-KR" sz="2400" dirty="0">
+                <a:solidFill>
+                  <a:srgbClr val="000000"/>
+                </a:solidFill>
+                <a:latin typeface="-apple-system"/>
+              </a:rPr>
+              <a:t>.</a:t>
+            </a:r>
+            <a:r>
+              <a:rPr lang="en-US" altLang="ko-KR" sz="2400" b="0" i="0" dirty="0">
+                <a:solidFill>
+                  <a:srgbClr val="000000"/>
+                </a:solidFill>
+                <a:effectLst/>
+                <a:latin typeface="-apple-system"/>
+              </a:rPr>
+              <a:t> </a:t>
             </a:r>
             <a:r>
               <a:rPr lang="ko-KR" altLang="en-US" sz="2400" b="0" i="0" dirty="0">
@@ -13216,7 +13321,16 @@
                 <a:effectLst/>
                 <a:latin typeface="-apple-system"/>
               </a:rPr>
-              <a:t>스레드는 프로세스 내의 메모리를 공유하기 때문에 독립적인 프로세스와 달리 스레드 간 데이터를 주고 받는 것이 간단해지기 때문에 자원소모 </a:t>
+              <a:t>스레드는 프로세스 내의 메모리를 공유하기 때문에 독립적인 프로세스와 달리 스레드 간 데이터를 주고 받는 것이 간단해지기 때문에 자원소모가 줄어든다</a:t>
+            </a:r>
+            <a:r>
+              <a:rPr lang="en-US" altLang="ko-KR" sz="2400" dirty="0">
+                <a:solidFill>
+                  <a:srgbClr val="000000"/>
+                </a:solidFill>
+                <a:latin typeface="-apple-system"/>
+              </a:rPr>
+              <a:t>.</a:t>
             </a:r>
             <a:r>
               <a:rPr lang="en-US" altLang="ko-KR" sz="2400" b="0" i="0" dirty="0">
@@ -13226,7 +13340,7 @@
                 <a:effectLst/>
                 <a:latin typeface="-apple-system"/>
               </a:rPr>
-              <a:t>down)</a:t>
+              <a:t>)</a:t>
             </a:r>
           </a:p>
           <a:p>
@@ -13281,7 +13395,16 @@
                 <a:effectLst/>
                 <a:latin typeface="-apple-system"/>
               </a:rPr>
-              <a:t>영역을 제외한 모든 메모리를 공유하기 때문에 프로세스 간의 전환속도보다 스레드 간의 전환속도가 빠름</a:t>
+              <a:t>영역을 제외한 모든 메모리를 공유하기 때문에 프로세스 간의 전환속도보다 스레드 간의 전환속도가 빠르다</a:t>
+            </a:r>
+            <a:r>
+              <a:rPr lang="en-US" altLang="ko-KR" sz="2400" dirty="0">
+                <a:solidFill>
+                  <a:srgbClr val="000000"/>
+                </a:solidFill>
+                <a:latin typeface="-apple-system"/>
+              </a:rPr>
+              <a:t>.</a:t>
             </a:r>
             <a:r>
               <a:rPr lang="en-US" altLang="ko-KR" sz="2400" b="0" i="0" dirty="0">

--- a/05/beom/python_data&memory.pptx
+++ b/05/beom/python_data&memory.pptx
@@ -6850,6 +6850,15 @@
               <a:buChar char="•"/>
             </a:pPr>
             <a:r>
+              <a:rPr lang="ko-KR" altLang="en-US" sz="2400" dirty="0">
+                <a:solidFill>
+                  <a:srgbClr val="000000"/>
+                </a:solidFill>
+                <a:latin typeface="-apple-system"/>
+              </a:rPr>
+              <a:t>해시</a:t>
+            </a:r>
+            <a:r>
               <a:rPr lang="ko-KR" altLang="en-US" sz="2400" b="0" i="0" dirty="0">
                 <a:solidFill>
                   <a:srgbClr val="000000"/>
@@ -6857,7 +6866,7 @@
                 <a:effectLst/>
                 <a:latin typeface="-apple-system"/>
               </a:rPr>
-              <a:t>캐시 충돌이 없는 경우 </a:t>
+              <a:t> 충돌이 없는 경우 </a:t>
             </a:r>
             <a:r>
               <a:rPr lang="en-US" altLang="ko-KR" sz="2400" b="0" i="0" dirty="0">
@@ -6876,6 +6885,15 @@
               <a:buChar char="•"/>
             </a:pPr>
             <a:r>
+              <a:rPr lang="ko-KR" altLang="en-US" sz="2400" dirty="0">
+                <a:solidFill>
+                  <a:srgbClr val="000000"/>
+                </a:solidFill>
+                <a:latin typeface="-apple-system"/>
+              </a:rPr>
+              <a:t>해시</a:t>
+            </a:r>
+            <a:r>
               <a:rPr lang="ko-KR" altLang="en-US" sz="2400" b="0" i="0" dirty="0">
                 <a:solidFill>
                   <a:srgbClr val="000000"/>
@@ -6883,7 +6901,7 @@
                 <a:effectLst/>
                 <a:latin typeface="-apple-system"/>
               </a:rPr>
-              <a:t>캐시 충돌이 있는 경우 </a:t>
+              <a:t> 충돌이 있는 경우 </a:t>
             </a:r>
             <a:r>
               <a:rPr lang="en-US" altLang="ko-KR" sz="2400" b="0" i="0" dirty="0">
@@ -12949,7 +12967,7 @@
         <p:spPr>
           <a:xfrm>
             <a:off x="771088" y="2090172"/>
-            <a:ext cx="10176545" cy="2308324"/>
+            <a:ext cx="10176545" cy="3046988"/>
           </a:xfrm>
           <a:prstGeom prst="rect">
             <a:avLst/>
@@ -13113,6 +13131,34 @@
                 <a:latin typeface="-apple-system"/>
               </a:rPr>
               <a:t>.</a:t>
+            </a:r>
+          </a:p>
+          <a:p>
+            <a:endParaRPr lang="en-US" altLang="ko-KR" sz="2400" dirty="0">
+              <a:solidFill>
+                <a:srgbClr val="000000"/>
+              </a:solidFill>
+              <a:latin typeface="-apple-system"/>
+            </a:endParaRPr>
+          </a:p>
+          <a:p>
+            <a:r>
+              <a:rPr lang="ko-KR" altLang="en-US" sz="2400" dirty="0">
+                <a:solidFill>
+                  <a:srgbClr val="000000"/>
+                </a:solidFill>
+                <a:latin typeface="-apple-system"/>
+              </a:rPr>
+              <a:t>멀티 스레드는 선점형 </a:t>
+            </a:r>
+            <a:r>
+              <a:rPr lang="ko-KR" altLang="en-US" sz="2400" dirty="0" err="1">
+                <a:solidFill>
+                  <a:srgbClr val="000000"/>
+                </a:solidFill>
+                <a:latin typeface="-apple-system"/>
+              </a:rPr>
+              <a:t>멀티테스킹</a:t>
             </a:r>
             <a:endParaRPr lang="en-US" altLang="ko-KR" sz="2400" dirty="0"/>
           </a:p>
@@ -13395,7 +13441,26 @@
                 <a:effectLst/>
                 <a:latin typeface="-apple-system"/>
               </a:rPr>
-              <a:t>영역을 제외한 모든 메모리를 공유하기 때문에 프로세스 간의 전환속도보다 스레드 간의 전환속도가 빠르다</a:t>
+              <a:t>영역을 제외한 </a:t>
+            </a:r>
+            <a:r>
+              <a:rPr lang="ko-KR" altLang="en-US" sz="2400" dirty="0">
+                <a:solidFill>
+                  <a:srgbClr val="000000"/>
+                </a:solidFill>
+                <a:latin typeface="-apple-system"/>
+              </a:rPr>
+              <a:t>대부분</a:t>
+            </a:r>
+            <a:r>
+              <a:rPr lang="ko-KR" altLang="en-US" sz="2400" b="0" i="0" dirty="0">
+                <a:solidFill>
+                  <a:srgbClr val="000000"/>
+                </a:solidFill>
+                <a:effectLst/>
+                <a:latin typeface="-apple-system"/>
+              </a:rPr>
+              <a:t> 메모리를 공유하기 때문에 프로세스 간의 전환속도보다 스레드 간의 전환속도가 빠르다</a:t>
             </a:r>
             <a:r>
               <a:rPr lang="en-US" altLang="ko-KR" sz="2400" dirty="0">
